--- a/进度汇报PPT汇总/week10.pptx
+++ b/进度汇报PPT汇总/week10.pptx
@@ -12,8 +12,7 @@
     <p:sldId id="362" r:id="rId4"/>
     <p:sldId id="363" r:id="rId6"/>
     <p:sldId id="365" r:id="rId7"/>
-    <p:sldId id="366" r:id="rId8"/>
-    <p:sldId id="361" r:id="rId9"/>
+    <p:sldId id="361" r:id="rId8"/>
   </p:sldIdLst>
   <p:sldSz cx="12192000" cy="6858000"/>
   <p:notesSz cx="6858000" cy="9144000"/>
@@ -3546,6 +3545,16 @@
               <a:rPr lang="zh-CN" altLang="en-US" dirty="0">
                 <a:sym typeface="+mn-ea"/>
               </a:rPr>
+              <a:t>测试完成目前 zCore 多核正常的启动和执行</a:t>
+            </a:r>
+            <a:endParaRPr lang="zh-CN" altLang="en-US" dirty="0"/>
+          </a:p>
+          <a:p>
+            <a:pPr lvl="1"/>
+            <a:r>
+              <a:rPr lang="zh-CN" altLang="en-US" dirty="0">
+                <a:sym typeface="+mn-ea"/>
+              </a:rPr>
               <a:t>修改 </a:t>
             </a:r>
             <a:r>
@@ -3598,18 +3607,6 @@
                 <a:sym typeface="+mn-ea"/>
               </a:rPr>
               <a:t>将编写的性能测例加入 zCore</a:t>
-            </a:r>
-            <a:endParaRPr lang="zh-CN" altLang="en-US" dirty="0">
-              <a:sym typeface="+mn-ea"/>
-            </a:endParaRPr>
-          </a:p>
-          <a:p>
-            <a:pPr lvl="1"/>
-            <a:r>
-              <a:rPr lang="zh-CN" altLang="en-US" dirty="0">
-                <a:sym typeface="+mn-ea"/>
-              </a:rPr>
-              <a:t>测试完成目前 zCore 多核正常的启动和执行</a:t>
             </a:r>
             <a:endParaRPr lang="zh-CN" altLang="en-US" dirty="0"/>
           </a:p>
@@ -3744,12 +3741,6 @@
           <a:bodyPr/>
           <a:lstStyle/>
           <a:p>
-            <a:pPr marL="0" indent="0">
-              <a:buNone/>
-            </a:pPr>
-            <a:endParaRPr lang="zh-CN" altLang="en-US" dirty="0"/>
-          </a:p>
-          <a:p>
             <a:r>
               <a:rPr lang="zh-CN" altLang="en-US" dirty="0">
                 <a:sym typeface="+mn-ea"/>
@@ -3824,7 +3815,7 @@
         </p:blipFill>
         <p:spPr>
           <a:xfrm>
-            <a:off x="2775585" y="4667250"/>
+            <a:off x="2743200" y="4360545"/>
             <a:ext cx="5477510" cy="1142365"/>
           </a:xfrm>
           <a:prstGeom prst="rect">
@@ -3848,7 +3839,7 @@
         </p:blipFill>
         <p:spPr>
           <a:xfrm>
-            <a:off x="2775585" y="3336290"/>
+            <a:off x="2743200" y="3029585"/>
             <a:ext cx="5478145" cy="1330960"/>
           </a:xfrm>
           <a:prstGeom prst="rect">
@@ -3923,6 +3914,66 @@
           </a:p>
           <a:p>
             <a:pPr lvl="1"/>
+            <a:r>
+              <a:rPr lang="zh-CN" altLang="en-US"/>
+              <a:t>跟随前人的工作在 U740 起 zCore 多核，但目前还有 bug，猜测 bug 是由 zCore 主线更新引起的。原 zCore 起来的版本是一年前的版本。目前做了一些向新版本的适配，还在 debug 中</a:t>
+            </a:r>
+            <a:endParaRPr lang="zh-CN" altLang="en-US"/>
+          </a:p>
+          <a:p>
+            <a:pPr lvl="1"/>
+            <a:r>
+              <a:rPr lang="zh-CN" altLang="en-US"/>
+              <a:t>目前</a:t>
+            </a:r>
+            <a:r>
+              <a:rPr lang="en-US" altLang="zh-CN"/>
+              <a:t>debug</a:t>
+            </a:r>
+            <a:r>
+              <a:rPr lang="zh-CN" altLang="en-US"/>
+              <a:t>定位到起内核的过程，认为是由于新版本</a:t>
+            </a:r>
+            <a:r>
+              <a:rPr lang="en-US" altLang="zh-CN"/>
+              <a:t>zCore</a:t>
+            </a:r>
+            <a:r>
+              <a:rPr lang="zh-CN" altLang="en-US"/>
+              <a:t>起小核心的方式不对</a:t>
+            </a:r>
+            <a:endParaRPr lang="zh-CN" altLang="en-US"/>
+          </a:p>
+          <a:p>
+            <a:pPr lvl="1"/>
+            <a:r>
+              <a:rPr lang="zh-CN" altLang="en-US"/>
+              <a:t>进度记录在文档仓库的板子起 </a:t>
+            </a:r>
+            <a:r>
+              <a:rPr lang="en-US" altLang="zh-CN"/>
+              <a:t>zCore </a:t>
+            </a:r>
+            <a:r>
+              <a:rPr lang="zh-CN" altLang="en-US"/>
+              <a:t>多核流程</a:t>
+            </a:r>
+            <a:endParaRPr lang="zh-CN" altLang="en-US"/>
+          </a:p>
+          <a:p>
+            <a:pPr lvl="1"/>
+            <a:r>
+              <a:rPr lang="zh-CN" altLang="en-US"/>
+              <a:t>过程中不小心热插拔把</a:t>
+            </a:r>
+            <a:r>
+              <a:rPr lang="en-US" altLang="zh-CN"/>
+              <a:t>sd</a:t>
+            </a:r>
+            <a:r>
+              <a:rPr lang="zh-CN" altLang="en-US"/>
+              <a:t>卡的数据搞坏了，需要修复</a:t>
+            </a:r>
             <a:endParaRPr lang="zh-CN" altLang="en-US"/>
           </a:p>
           <a:p>
@@ -3961,89 +4012,6 @@
 </file>
 
 <file path=ppt/slides/slide5.xml><?xml version="1.0" encoding="utf-8"?>
-<p:sld xmlns:a="http://schemas.openxmlformats.org/drawingml/2006/main" xmlns:r="http://schemas.openxmlformats.org/officeDocument/2006/relationships" xmlns:p="http://schemas.openxmlformats.org/presentationml/2006/main">
-  <p:cSld>
-    <p:spTree>
-      <p:nvGrpSpPr>
-        <p:cNvPr id="1" name=""/>
-        <p:cNvGrpSpPr/>
-        <p:nvPr/>
-      </p:nvGrpSpPr>
-      <p:grpSpPr/>
-      <p:sp>
-        <p:nvSpPr>
-          <p:cNvPr id="2" name="标题 1"/>
-          <p:cNvSpPr>
-            <a:spLocks noGrp="1"/>
-          </p:cNvSpPr>
-          <p:nvPr>
-            <p:ph type="title"/>
-          </p:nvPr>
-        </p:nvSpPr>
-        <p:spPr/>
-        <p:txBody>
-          <a:bodyPr/>
-          <a:p>
-            <a:r>
-              <a:rPr lang="en-US" altLang="zh-CN"/>
-              <a:t>DEMO</a:t>
-            </a:r>
-            <a:r>
-              <a:rPr lang="zh-CN" altLang="en-US"/>
-              <a:t>展示</a:t>
-            </a:r>
-            <a:endParaRPr lang="zh-CN" altLang="en-US"/>
-          </a:p>
-        </p:txBody>
-      </p:sp>
-      <p:sp>
-        <p:nvSpPr>
-          <p:cNvPr id="3" name="内容占位符 2"/>
-          <p:cNvSpPr>
-            <a:spLocks noGrp="1"/>
-          </p:cNvSpPr>
-          <p:nvPr>
-            <p:ph idx="1"/>
-          </p:nvPr>
-        </p:nvSpPr>
-        <p:spPr/>
-        <p:txBody>
-          <a:bodyPr/>
-          <a:p>
-            <a:endParaRPr lang="zh-CN" altLang="en-US"/>
-          </a:p>
-        </p:txBody>
-      </p:sp>
-      <p:sp>
-        <p:nvSpPr>
-          <p:cNvPr id="4" name="灯片编号占位符 3"/>
-          <p:cNvSpPr>
-            <a:spLocks noGrp="1"/>
-          </p:cNvSpPr>
-          <p:nvPr>
-            <p:ph type="sldNum" sz="quarter" idx="12"/>
-          </p:nvPr>
-        </p:nvSpPr>
-        <p:spPr/>
-        <p:txBody>
-          <a:bodyPr/>
-          <a:p>
-            <a:fld id="{519AEA81-C1FD-4B2C-87D1-3FA637539CC6}" type="slidenum">
-              <a:rPr lang="zh-CN" altLang="en-US" smtClean="0"/>
-            </a:fld>
-            <a:endParaRPr lang="zh-CN" altLang="en-US" dirty="0"/>
-          </a:p>
-        </p:txBody>
-      </p:sp>
-    </p:spTree>
-  </p:cSld>
-  <p:clrMapOvr>
-    <a:masterClrMapping/>
-  </p:clrMapOvr>
-</p:sld>
-</file>
-
-<file path=ppt/slides/slide6.xml><?xml version="1.0" encoding="utf-8"?>
 <p:sld xmlns:a="http://schemas.openxmlformats.org/drawingml/2006/main" xmlns:r="http://schemas.openxmlformats.org/officeDocument/2006/relationships" xmlns:p="http://schemas.openxmlformats.org/presentationml/2006/main">
   <p:cSld>
     <p:spTree>
